--- a/Submission1/Slide.pptx
+++ b/Submission1/Slide.pptx
@@ -14295,8 +14295,13 @@
           <a:p>
             <a:r>
               <a:rPr lang="en-US" dirty="0"/>
-              <a:t>Sec: 01</a:t>
+              <a:t>Sec</a:t>
             </a:r>
+            <a:r>
+              <a:rPr lang="en-US"/>
+              <a:t>: 02</a:t>
+            </a:r>
+            <a:endParaRPr lang="en-US" dirty="0"/>
           </a:p>
         </p:txBody>
       </p:sp>
